--- a/Simulacrum.pptx
+++ b/Simulacrum.pptx
@@ -19270,6 +19270,36 @@
           <a:chExt cx="0" cy="0"/>
         </a:xfrm>
       </p:grpSpPr>
+      <p:pic>
+        <p:nvPicPr>
+          <p:cNvPr id="30" name="Рисунок 29" descr="Изображение выглядит как шаблон, фиолетовый, Сирень, Цвет Majorelle blue&#10;&#10;Содержимое, созданное искусственным интеллектом, может быть неверным.">
+            <a:extLst>
+              <a:ext uri="{FF2B5EF4-FFF2-40B4-BE49-F238E27FC236}">
+                <a16:creationId xmlns:a16="http://schemas.microsoft.com/office/drawing/2014/main" id="{2AE8D9C4-40CF-9A2B-F55A-A3B2D8553C76}"/>
+              </a:ext>
+            </a:extLst>
+          </p:cNvPr>
+          <p:cNvPicPr>
+            <a:picLocks noChangeAspect="1"/>
+          </p:cNvPicPr>
+          <p:nvPr/>
+        </p:nvPicPr>
+        <p:blipFill>
+          <a:blip r:embed="rId3"/>
+          <a:stretch>
+            <a:fillRect/>
+          </a:stretch>
+        </p:blipFill>
+        <p:spPr>
+          <a:xfrm>
+            <a:off x="3486943" y="1659600"/>
+            <a:ext cx="2170114" cy="2170114"/>
+          </a:xfrm>
+          <a:prstGeom prst="rect">
+            <a:avLst/>
+          </a:prstGeom>
+        </p:spPr>
+      </p:pic>
       <p:sp>
         <p:nvSpPr>
           <p:cNvPr id="308" name="Google Shape;308;p35">
@@ -19635,36 +19665,6 @@
           </a:p>
         </p:txBody>
       </p:sp>
-      <p:pic>
-        <p:nvPicPr>
-          <p:cNvPr id="16" name="Рисунок 15" descr="Изображение выглядит как шаблон, Цвет Majorelle blue, Цвет электрик, фиолетовый&#10;&#10;Содержимое, созданное искусственным интеллектом, может быть неверным.">
-            <a:extLst>
-              <a:ext uri="{FF2B5EF4-FFF2-40B4-BE49-F238E27FC236}">
-                <a16:creationId xmlns:a16="http://schemas.microsoft.com/office/drawing/2014/main" id="{858FEE94-47D1-1673-9A2B-BD98383EF7ED}"/>
-              </a:ext>
-            </a:extLst>
-          </p:cNvPr>
-          <p:cNvPicPr>
-            <a:picLocks noChangeAspect="1"/>
-          </p:cNvPicPr>
-          <p:nvPr/>
-        </p:nvPicPr>
-        <p:blipFill>
-          <a:blip r:embed="rId3"/>
-          <a:stretch>
-            <a:fillRect/>
-          </a:stretch>
-        </p:blipFill>
-        <p:spPr>
-          <a:xfrm>
-            <a:off x="3492433" y="1755775"/>
-            <a:ext cx="2170113" cy="2170113"/>
-          </a:xfrm>
-          <a:prstGeom prst="rect">
-            <a:avLst/>
-          </a:prstGeom>
-        </p:spPr>
-      </p:pic>
       <p:sp>
         <p:nvSpPr>
           <p:cNvPr id="17" name="Прямоугольник 16">
@@ -19679,8 +19679,8 @@
         </p:nvSpPr>
         <p:spPr>
           <a:xfrm>
-            <a:off x="5032242" y="3699460"/>
-            <a:ext cx="566804" cy="130254"/>
+            <a:off x="5090253" y="3668466"/>
+            <a:ext cx="566804" cy="161247"/>
           </a:xfrm>
           <a:prstGeom prst="rect">
             <a:avLst/>
